--- a/2021.01 - [ MS SQL Server ]/00 - [ Course Introduction ]/Presentation.pptx
+++ b/2021.01 - [ MS SQL Server ]/00 - [ Course Introduction ]/Presentation.pptx
@@ -299,7 +299,7 @@
           <a:p>
             <a:fld id="{4E087215-0C8F-4762-A664-737A353EC9A4}" type="datetimeFigureOut">
               <a:rPr lang="bg-BG" smtClean="0"/>
-              <a:t>7.1.2021 г.</a:t>
+              <a:t>12.1.2021 г.</a:t>
             </a:fld>
             <a:endParaRPr lang="bg-BG"/>
           </a:p>
@@ -490,7 +490,7 @@
           <a:p>
             <a:fld id="{72D84649-876A-46C9-8472-14CB09C070D8}" type="datetimeFigureOut">
               <a:rPr lang="en-US" smtClean="0"/>
-              <a:t>1/7/2021</a:t>
+              <a:t>1/12/2021</a:t>
             </a:fld>
             <a:endParaRPr lang="en-US"/>
           </a:p>
@@ -1406,6 +1406,422 @@
           <a:bodyPr/>
           <a:lstStyle/>
           <a:p>
+            <a:pPr marL="0" indent="0">
+              <a:buFont typeface="Symbol" panose="05050102010706020507" pitchFamily="18" charset="2"/>
+              <a:buNone/>
+            </a:pPr>
+            <a:r>
+              <a:rPr lang="ru-RU" dirty="0"/>
+              <a:t>Основна цел на курса:</a:t>
+            </a:r>
+          </a:p>
+          <a:p>
+            <a:pPr marL="171450" indent="-171450">
+              <a:buFont typeface="Symbol" panose="05050102010706020507" pitchFamily="18" charset="2"/>
+              <a:buChar char="Þ"/>
+            </a:pPr>
+            <a:r>
+              <a:rPr lang="ru-RU" dirty="0"/>
+              <a:t>Да усвоим базата данни като концепция и езикът </a:t>
+            </a:r>
+            <a:r>
+              <a:rPr lang="en-US" dirty="0"/>
+              <a:t>SQL </a:t>
+            </a:r>
+            <a:r>
+              <a:rPr lang="bg-BG" dirty="0"/>
+              <a:t>като синтаксис и различните възможности, които една база данни ни дава</a:t>
+            </a:r>
+            <a:endParaRPr lang="ru-RU" dirty="0"/>
+          </a:p>
+          <a:p>
+            <a:endParaRPr lang="ru-RU" dirty="0"/>
+          </a:p>
+          <a:p>
+            <a:r>
+              <a:rPr lang="ru-RU" dirty="0"/>
+              <a:t>1. DataBase Introduction</a:t>
+            </a:r>
+          </a:p>
+          <a:p>
+            <a:pPr marL="171450" indent="-171450">
+              <a:buFont typeface="Symbol" panose="05050102010706020507" pitchFamily="18" charset="2"/>
+              <a:buChar char="Þ"/>
+            </a:pPr>
+            <a:r>
+              <a:rPr lang="ru-RU" dirty="0"/>
+              <a:t>Какъв е смисълът да използваме база данни?</a:t>
+            </a:r>
+          </a:p>
+          <a:p>
+            <a:endParaRPr lang="ru-RU" dirty="0"/>
+          </a:p>
+          <a:p>
+            <a:r>
+              <a:rPr lang="ru-RU" dirty="0"/>
+              <a:t>2. CRUD</a:t>
+            </a:r>
+          </a:p>
+          <a:p>
+            <a:pPr marL="171450" indent="-171450">
+              <a:buFont typeface="Symbol" panose="05050102010706020507" pitchFamily="18" charset="2"/>
+              <a:buChar char="Þ"/>
+            </a:pPr>
+            <a:r>
+              <a:rPr lang="ru-RU" dirty="0"/>
+              <a:t>4 основни манипулации с данните в базите данни, които можем да правим</a:t>
+            </a:r>
+          </a:p>
+          <a:p>
+            <a:endParaRPr lang="ru-RU" dirty="0"/>
+          </a:p>
+          <a:p>
+            <a:r>
+              <a:rPr lang="ru-RU" dirty="0"/>
+              <a:t>3. Table Relations</a:t>
+            </a:r>
+          </a:p>
+          <a:p>
+            <a:pPr marL="171450" indent="-171450">
+              <a:buFont typeface="Symbol" panose="05050102010706020507" pitchFamily="18" charset="2"/>
+              <a:buChar char="Þ"/>
+            </a:pPr>
+            <a:r>
+              <a:rPr lang="ru-RU" dirty="0"/>
+              <a:t>Релации (на бг- връзки) между записите в базите данни</a:t>
+            </a:r>
+          </a:p>
+          <a:p>
+            <a:endParaRPr lang="ru-RU" dirty="0"/>
+          </a:p>
+          <a:p>
+            <a:r>
+              <a:rPr lang="ru-RU" dirty="0"/>
+              <a:t>4. Joins</a:t>
+            </a:r>
+          </a:p>
+          <a:p>
+            <a:pPr marL="171450" marR="0" lvl="0" indent="-171450" algn="l" defTabSz="914400" rtl="0" eaLnBrk="1" fontAlgn="auto" latinLnBrk="0" hangingPunct="1">
+              <a:lnSpc>
+                <a:spcPct val="100000"/>
+              </a:lnSpc>
+              <a:spcBef>
+                <a:spcPts val="0"/>
+              </a:spcBef>
+              <a:spcAft>
+                <a:spcPts val="0"/>
+              </a:spcAft>
+              <a:buClrTx/>
+              <a:buSzTx/>
+              <a:buFont typeface="Symbol" panose="05050102010706020507" pitchFamily="18" charset="2"/>
+              <a:buChar char="Þ"/>
+              <a:tabLst/>
+              <a:defRPr/>
+            </a:pPr>
+            <a:r>
+              <a:rPr lang="ru-RU" dirty="0"/>
+              <a:t>Как от няколко таблици да направим един общ резултат</a:t>
+            </a:r>
+          </a:p>
+          <a:p>
+            <a:pPr marL="0" marR="0" lvl="0" indent="0" algn="l" defTabSz="914400" rtl="0" eaLnBrk="1" fontAlgn="auto" latinLnBrk="0" hangingPunct="1">
+              <a:lnSpc>
+                <a:spcPct val="100000"/>
+              </a:lnSpc>
+              <a:spcBef>
+                <a:spcPts val="0"/>
+              </a:spcBef>
+              <a:spcAft>
+                <a:spcPts val="0"/>
+              </a:spcAft>
+              <a:buClrTx/>
+              <a:buSzTx/>
+              <a:buFont typeface="Symbol" panose="05050102010706020507" pitchFamily="18" charset="2"/>
+              <a:buNone/>
+              <a:tabLst/>
+              <a:defRPr/>
+            </a:pPr>
+            <a:endParaRPr lang="ru-RU" dirty="0"/>
+          </a:p>
+          <a:p>
+            <a:r>
+              <a:rPr lang="ru-RU" dirty="0"/>
+              <a:t>5. Subqueries</a:t>
+            </a:r>
+          </a:p>
+          <a:p>
+            <a:r>
+              <a:rPr lang="ru-RU" dirty="0"/>
+              <a:t>=&gt; заявка в заявката, когато искаме резултат от заявка да използваме като параметър на друга заявка</a:t>
+            </a:r>
+          </a:p>
+          <a:p>
+            <a:endParaRPr lang="ru-RU" dirty="0"/>
+          </a:p>
+          <a:p>
+            <a:r>
+              <a:rPr lang="ru-RU" dirty="0"/>
+              <a:t>6. Index (важно + питат на интервю)</a:t>
+            </a:r>
+          </a:p>
+          <a:p>
+            <a:r>
+              <a:rPr lang="ru-RU" dirty="0"/>
+              <a:t>=&gt; кое прави така, че да ни е бързо търсенето в базата данни</a:t>
+            </a:r>
+          </a:p>
+          <a:p>
+            <a:r>
+              <a:rPr lang="ru-RU" dirty="0"/>
+              <a:t>=&gt; как са структурирани данните така че търсенето да е бързо</a:t>
+            </a:r>
+          </a:p>
+          <a:p>
+            <a:endParaRPr lang="ru-RU" dirty="0"/>
+          </a:p>
+          <a:p>
+            <a:r>
+              <a:rPr lang="ru-RU" dirty="0"/>
+              <a:t>7. Triggers</a:t>
+            </a:r>
+          </a:p>
+          <a:p>
+            <a:r>
+              <a:rPr lang="ru-RU" dirty="0"/>
+              <a:t>=&gt; действия, които се активират при определени условия </a:t>
+            </a:r>
+          </a:p>
+          <a:p>
+            <a:endParaRPr lang="ru-RU" dirty="0"/>
+          </a:p>
+          <a:p>
+            <a:r>
+              <a:rPr lang="ru-RU" dirty="0"/>
+              <a:t>8. Transactions (важно + питат на интервю)</a:t>
+            </a:r>
+          </a:p>
+          <a:p>
+            <a:pPr marL="171450" indent="-171450">
+              <a:buFont typeface="Symbol" panose="05050102010706020507" pitchFamily="18" charset="2"/>
+              <a:buChar char="Þ"/>
+            </a:pPr>
+            <a:r>
+              <a:rPr lang="ru-RU" dirty="0"/>
+              <a:t>позволяват ни да изпълним няколко заявки на куп</a:t>
+            </a:r>
+          </a:p>
+          <a:p>
+            <a:pPr marL="171450" indent="-171450">
+              <a:buFont typeface="Symbol" panose="05050102010706020507" pitchFamily="18" charset="2"/>
+              <a:buChar char="Þ"/>
+            </a:pPr>
+            <a:endParaRPr lang="ru-RU" dirty="0"/>
+          </a:p>
+          <a:p>
+            <a:pPr marL="0" indent="0">
+              <a:buFont typeface="Symbol" panose="05050102010706020507" pitchFamily="18" charset="2"/>
+              <a:buNone/>
+            </a:pPr>
+            <a:r>
+              <a:rPr lang="ru-RU" dirty="0"/>
+              <a:t>9. </a:t>
+            </a:r>
+            <a:r>
+              <a:rPr lang="en-US" dirty="0"/>
+              <a:t>Built-in functions</a:t>
+            </a:r>
+          </a:p>
+          <a:p>
+            <a:pPr marL="171450" indent="-171450">
+              <a:buFont typeface="Symbol" panose="05050102010706020507" pitchFamily="18" charset="2"/>
+              <a:buChar char="Þ"/>
+            </a:pPr>
+            <a:r>
+              <a:rPr lang="bg-BG" dirty="0"/>
+              <a:t>Какви са вградените функции, които може да използваме на готово в езика </a:t>
+            </a:r>
+            <a:r>
+              <a:rPr lang="en-US" dirty="0"/>
+              <a:t>SQL</a:t>
+            </a:r>
+          </a:p>
+          <a:p>
+            <a:pPr marL="171450" indent="-171450">
+              <a:buFont typeface="Symbol" panose="05050102010706020507" pitchFamily="18" charset="2"/>
+              <a:buChar char="Þ"/>
+            </a:pPr>
+            <a:endParaRPr lang="en-US" dirty="0"/>
+          </a:p>
+          <a:p>
+            <a:pPr marL="0" indent="0">
+              <a:buFont typeface="Symbol" panose="05050102010706020507" pitchFamily="18" charset="2"/>
+              <a:buNone/>
+            </a:pPr>
+            <a:r>
+              <a:rPr lang="en-US" dirty="0"/>
+              <a:t>10. Stored procedures</a:t>
+            </a:r>
+          </a:p>
+          <a:p>
+            <a:pPr marL="171450" indent="-171450">
+              <a:buFont typeface="Symbol" panose="05050102010706020507" pitchFamily="18" charset="2"/>
+              <a:buChar char="Þ"/>
+            </a:pPr>
+            <a:r>
+              <a:rPr lang="bg-BG" dirty="0"/>
+              <a:t>Вкарване на някаква програмна логика и да я запишем с име на функции и т.н</a:t>
+            </a:r>
+          </a:p>
+          <a:p>
+            <a:pPr marL="171450" indent="-171450">
+              <a:buFont typeface="Symbol" panose="05050102010706020507" pitchFamily="18" charset="2"/>
+              <a:buChar char="Þ"/>
+            </a:pPr>
+            <a:endParaRPr lang="bg-BG" dirty="0"/>
+          </a:p>
+          <a:p>
+            <a:pPr marL="0" indent="0">
+              <a:buFont typeface="Symbol" panose="05050102010706020507" pitchFamily="18" charset="2"/>
+              <a:buNone/>
+            </a:pPr>
+            <a:r>
+              <a:rPr lang="bg-BG" dirty="0"/>
+              <a:t>11. </a:t>
+            </a:r>
+            <a:r>
+              <a:rPr lang="en-US" dirty="0"/>
+              <a:t>Aggregation</a:t>
+            </a:r>
+          </a:p>
+          <a:p>
+            <a:pPr marL="0" indent="0">
+              <a:buFont typeface="Symbol" panose="05050102010706020507" pitchFamily="18" charset="2"/>
+              <a:buNone/>
+            </a:pPr>
+            <a:r>
+              <a:rPr lang="en-US" dirty="0"/>
+              <a:t>=&gt; </a:t>
+            </a:r>
+            <a:r>
+              <a:rPr lang="bg-BG" dirty="0"/>
+              <a:t>Как от няколко реда да ги съберем в един ред с някаква информация</a:t>
+            </a:r>
+          </a:p>
+        </p:txBody>
+      </p:sp>
+      <p:sp>
+        <p:nvSpPr>
+          <p:cNvPr id="4" name="Slide Number Placeholder 3"/>
+          <p:cNvSpPr>
+            <a:spLocks noGrp="1"/>
+          </p:cNvSpPr>
+          <p:nvPr>
+            <p:ph type="sldNum" sz="quarter" idx="5"/>
+          </p:nvPr>
+        </p:nvSpPr>
+        <p:spPr/>
+        <p:txBody>
+          <a:bodyPr/>
+          <a:lstStyle/>
+          <a:p>
+            <a:fld id="{2BF067CD-8E6B-4360-9AA8-C5DF2A48A6D1}" type="slidenum">
+              <a:rPr lang="en-US" smtClean="0"/>
+              <a:t>7</a:t>
+            </a:fld>
+            <a:endParaRPr lang="en-US" dirty="0"/>
+          </a:p>
+        </p:txBody>
+      </p:sp>
+      <p:sp>
+        <p:nvSpPr>
+          <p:cNvPr id="5" name="Footer Placeholder 4"/>
+          <p:cNvSpPr>
+            <a:spLocks noGrp="1"/>
+          </p:cNvSpPr>
+          <p:nvPr>
+            <p:ph type="ftr" sz="quarter" idx="4"/>
+          </p:nvPr>
+        </p:nvSpPr>
+        <p:spPr/>
+        <p:txBody>
+          <a:bodyPr/>
+          <a:lstStyle/>
+          <a:p>
+            <a:r>
+              <a:rPr lang="en-US"/>
+              <a:t>© SoftUni – </a:t>
+            </a:r>
+            <a:r>
+              <a:rPr lang="en-US" u="sng">
+                <a:hlinkClick r:id="rId3"/>
+              </a:rPr>
+              <a:t>https://softuni.org</a:t>
+            </a:r>
+            <a:r>
+              <a:rPr lang="en-US"/>
+              <a:t>. Copyrighted document. Unauthorized copy or reproduction is not permitted.</a:t>
+            </a:r>
+            <a:endParaRPr lang="en-US" dirty="0"/>
+          </a:p>
+        </p:txBody>
+      </p:sp>
+    </p:spTree>
+    <p:extLst>
+      <p:ext uri="{BB962C8B-B14F-4D97-AF65-F5344CB8AC3E}">
+        <p14:creationId xmlns:p14="http://schemas.microsoft.com/office/powerpoint/2010/main" val="2913252079"/>
+      </p:ext>
+    </p:extLst>
+  </p:cSld>
+  <p:clrMapOvr>
+    <a:masterClrMapping/>
+  </p:clrMapOvr>
+</p:notes>
+</file>
+
+<file path=ppt/notesSlides/notesSlide6.xml><?xml version="1.0" encoding="utf-8"?>
+<p:notes xmlns:a="http://schemas.openxmlformats.org/drawingml/2006/main" xmlns:r="http://schemas.openxmlformats.org/officeDocument/2006/relationships" xmlns:p="http://schemas.openxmlformats.org/presentationml/2006/main">
+  <p:cSld>
+    <p:spTree>
+      <p:nvGrpSpPr>
+        <p:cNvPr id="1" name=""/>
+        <p:cNvGrpSpPr/>
+        <p:nvPr/>
+      </p:nvGrpSpPr>
+      <p:grpSpPr>
+        <a:xfrm>
+          <a:off x="0" y="0"/>
+          <a:ext cx="0" cy="0"/>
+          <a:chOff x="0" y="0"/>
+          <a:chExt cx="0" cy="0"/>
+        </a:xfrm>
+      </p:grpSpPr>
+      <p:sp>
+        <p:nvSpPr>
+          <p:cNvPr id="2" name="Slide Image Placeholder 1"/>
+          <p:cNvSpPr>
+            <a:spLocks noGrp="1" noRot="1" noChangeAspect="1"/>
+          </p:cNvSpPr>
+          <p:nvPr>
+            <p:ph type="sldImg"/>
+          </p:nvPr>
+        </p:nvSpPr>
+        <p:spPr/>
+      </p:sp>
+      <p:sp>
+        <p:nvSpPr>
+          <p:cNvPr id="3" name="Notes Placeholder 2"/>
+          <p:cNvSpPr>
+            <a:spLocks noGrp="1"/>
+          </p:cNvSpPr>
+          <p:nvPr>
+            <p:ph type="body" idx="1"/>
+          </p:nvPr>
+        </p:nvSpPr>
+        <p:spPr/>
+        <p:txBody>
+          <a:bodyPr/>
+          <a:lstStyle/>
+          <a:p>
             <a:endParaRPr lang="en-US"/>
           </a:p>
         </p:txBody>
@@ -1603,7 +2019,7 @@
 </p:notes>
 </file>
 
-<file path=ppt/notesSlides/notesSlide6.xml><?xml version="1.0" encoding="utf-8"?>
+<file path=ppt/notesSlides/notesSlide7.xml><?xml version="1.0" encoding="utf-8"?>
 <p:notes xmlns:a="http://schemas.openxmlformats.org/drawingml/2006/main" xmlns:r="http://schemas.openxmlformats.org/officeDocument/2006/relationships" xmlns:p="http://schemas.openxmlformats.org/presentationml/2006/main">
   <p:cSld>
     <p:spTree>
@@ -1844,7 +2260,7 @@
 </p:notes>
 </file>
 
-<file path=ppt/notesSlides/notesSlide7.xml><?xml version="1.0" encoding="utf-8"?>
+<file path=ppt/notesSlides/notesSlide8.xml><?xml version="1.0" encoding="utf-8"?>
 <p:notes xmlns:a="http://schemas.openxmlformats.org/drawingml/2006/main" xmlns:r="http://schemas.openxmlformats.org/officeDocument/2006/relationships" xmlns:p="http://schemas.openxmlformats.org/presentationml/2006/main">
   <p:cSld>
     <p:spTree>
